--- a/2DGP_기획서_2022180041_최재혁.pptx
+++ b/2DGP_기획서_2022180041_최재혁.pptx
@@ -10,7 +10,7 @@
     <p:sldId id="266" r:id="rId4"/>
     <p:sldId id="267" r:id="rId5"/>
     <p:sldId id="268" r:id="rId6"/>
-    <p:sldId id="258" r:id="rId7"/>
+    <p:sldId id="270" r:id="rId7"/>
     <p:sldId id="262" r:id="rId8"/>
     <p:sldId id="263" r:id="rId9"/>
     <p:sldId id="264" r:id="rId10"/>
@@ -5100,21 +5100,8 @@
             </a:r>
             <a:r>
               <a:rPr lang="ko-KR" altLang="en-US" dirty="0"/>
-              <a:t> 예상 진행 흐름 </a:t>
-            </a:r>
-            <a:r>
-              <a:rPr lang="en-US" altLang="ko-KR" dirty="0"/>
-              <a:t>(</a:t>
-            </a:r>
-            <a:r>
-              <a:rPr lang="ko-KR" altLang="en-US" dirty="0"/>
-              <a:t>발표자료와 같음</a:t>
-            </a:r>
-            <a:r>
-              <a:rPr lang="en-US" altLang="ko-KR" dirty="0"/>
-              <a:t>)</a:t>
-            </a:r>
-            <a:endParaRPr lang="ko-KR" altLang="en-US" dirty="0"/>
+              <a:t> 예상 진행 흐름</a:t>
+            </a:r>
           </a:p>
         </p:txBody>
       </p:sp>
@@ -5149,14 +5136,83 @@
         <p:spPr>
           <a:xfrm>
             <a:off x="1475013" y="1877219"/>
-            <a:ext cx="8490857" cy="3538424"/>
+            <a:ext cx="8490857" cy="3396910"/>
           </a:xfrm>
         </p:spPr>
       </p:pic>
+      <p:sp>
+        <p:nvSpPr>
+          <p:cNvPr id="6" name="TextBox 5">
+            <a:extLst>
+              <a:ext uri="{FF2B5EF4-FFF2-40B4-BE49-F238E27FC236}">
+                <a16:creationId xmlns:a16="http://schemas.microsoft.com/office/drawing/2014/main" id="{6B4D35E8-E038-5BF5-FCB1-12427ACD1B8E}"/>
+              </a:ext>
+            </a:extLst>
+          </p:cNvPr>
+          <p:cNvSpPr txBox="1"/>
+          <p:nvPr/>
+        </p:nvSpPr>
+        <p:spPr>
+          <a:xfrm>
+            <a:off x="1589314" y="5568043"/>
+            <a:ext cx="6172200" cy="646331"/>
+          </a:xfrm>
+          <a:prstGeom prst="rect">
+            <a:avLst/>
+          </a:prstGeom>
+          <a:noFill/>
+        </p:spPr>
+        <p:txBody>
+          <a:bodyPr wrap="square" rtlCol="0">
+            <a:spAutoFit/>
+          </a:bodyPr>
+          <a:lstStyle/>
+          <a:p>
+            <a:r>
+              <a:rPr lang="ko-KR" altLang="en-US" dirty="0"/>
+              <a:t>예상 조작법</a:t>
+            </a:r>
+            <a:r>
+              <a:rPr lang="en-US" altLang="ko-KR" dirty="0"/>
+              <a:t>:</a:t>
+            </a:r>
+          </a:p>
+          <a:p>
+            <a:r>
+              <a:rPr lang="en-US" altLang="ko-KR" dirty="0" err="1"/>
+              <a:t>Wasd</a:t>
+            </a:r>
+            <a:r>
+              <a:rPr lang="en-US" altLang="ko-KR" dirty="0"/>
+              <a:t> </a:t>
+            </a:r>
+            <a:r>
+              <a:rPr lang="ko-KR" altLang="en-US" dirty="0"/>
+              <a:t>이동</a:t>
+            </a:r>
+            <a:r>
+              <a:rPr lang="en-US" altLang="ko-KR" dirty="0"/>
+              <a:t>, </a:t>
+            </a:r>
+            <a:r>
+              <a:rPr lang="ko-KR" altLang="en-US" dirty="0"/>
+              <a:t>스페이스 슛</a:t>
+            </a:r>
+            <a:r>
+              <a:rPr lang="en-US" altLang="ko-KR" dirty="0"/>
+              <a:t>, </a:t>
+            </a:r>
+            <a:r>
+              <a:rPr lang="ko-KR" altLang="en-US" dirty="0"/>
+              <a:t>마우스 방향으로 발사각 지정</a:t>
+            </a:r>
+          </a:p>
+        </p:txBody>
+      </p:sp>
     </p:spTree>
     <p:extLst>
       <p:ext uri="{BB962C8B-B14F-4D97-AF65-F5344CB8AC3E}">
-        <p14:creationId xmlns:p14="http://schemas.microsoft.com/office/powerpoint/2010/main" val="3548056453"/>
+        <p14:creationId xmlns:p14="http://schemas.microsoft.com/office/powerpoint/2010/main" val="4124833415"/>
       </p:ext>
     </p:extLst>
   </p:cSld>
